--- a/files/images/Content.pptx
+++ b/files/images/Content.pptx
@@ -260,7 +260,7 @@
           <a:p>
             <a:fld id="{DDDFD9E1-728A-3C4F-BA7D-0994F9A96443}" type="datetimeFigureOut">
               <a:rPr lang="en-US" smtClean="0"/>
-              <a:t>9/29/23</a:t>
+              <a:t>12/4/23</a:t>
             </a:fld>
             <a:endParaRPr lang="en-US"/>
           </a:p>
@@ -458,7 +458,7 @@
           <a:p>
             <a:fld id="{DDDFD9E1-728A-3C4F-BA7D-0994F9A96443}" type="datetimeFigureOut">
               <a:rPr lang="en-US" smtClean="0"/>
-              <a:t>9/29/23</a:t>
+              <a:t>12/4/23</a:t>
             </a:fld>
             <a:endParaRPr lang="en-US"/>
           </a:p>
@@ -666,7 +666,7 @@
           <a:p>
             <a:fld id="{DDDFD9E1-728A-3C4F-BA7D-0994F9A96443}" type="datetimeFigureOut">
               <a:rPr lang="en-US" smtClean="0"/>
-              <a:t>9/29/23</a:t>
+              <a:t>12/4/23</a:t>
             </a:fld>
             <a:endParaRPr lang="en-US"/>
           </a:p>
@@ -864,7 +864,7 @@
           <a:p>
             <a:fld id="{DDDFD9E1-728A-3C4F-BA7D-0994F9A96443}" type="datetimeFigureOut">
               <a:rPr lang="en-US" smtClean="0"/>
-              <a:t>9/29/23</a:t>
+              <a:t>12/4/23</a:t>
             </a:fld>
             <a:endParaRPr lang="en-US"/>
           </a:p>
@@ -1139,7 +1139,7 @@
           <a:p>
             <a:fld id="{DDDFD9E1-728A-3C4F-BA7D-0994F9A96443}" type="datetimeFigureOut">
               <a:rPr lang="en-US" smtClean="0"/>
-              <a:t>9/29/23</a:t>
+              <a:t>12/4/23</a:t>
             </a:fld>
             <a:endParaRPr lang="en-US"/>
           </a:p>
@@ -1404,7 +1404,7 @@
           <a:p>
             <a:fld id="{DDDFD9E1-728A-3C4F-BA7D-0994F9A96443}" type="datetimeFigureOut">
               <a:rPr lang="en-US" smtClean="0"/>
-              <a:t>9/29/23</a:t>
+              <a:t>12/4/23</a:t>
             </a:fld>
             <a:endParaRPr lang="en-US"/>
           </a:p>
@@ -1816,7 +1816,7 @@
           <a:p>
             <a:fld id="{DDDFD9E1-728A-3C4F-BA7D-0994F9A96443}" type="datetimeFigureOut">
               <a:rPr lang="en-US" smtClean="0"/>
-              <a:t>9/29/23</a:t>
+              <a:t>12/4/23</a:t>
             </a:fld>
             <a:endParaRPr lang="en-US"/>
           </a:p>
@@ -1957,7 +1957,7 @@
           <a:p>
             <a:fld id="{DDDFD9E1-728A-3C4F-BA7D-0994F9A96443}" type="datetimeFigureOut">
               <a:rPr lang="en-US" smtClean="0"/>
-              <a:t>9/29/23</a:t>
+              <a:t>12/4/23</a:t>
             </a:fld>
             <a:endParaRPr lang="en-US"/>
           </a:p>
@@ -2070,7 +2070,7 @@
           <a:p>
             <a:fld id="{DDDFD9E1-728A-3C4F-BA7D-0994F9A96443}" type="datetimeFigureOut">
               <a:rPr lang="en-US" smtClean="0"/>
-              <a:t>9/29/23</a:t>
+              <a:t>12/4/23</a:t>
             </a:fld>
             <a:endParaRPr lang="en-US"/>
           </a:p>
@@ -2381,7 +2381,7 @@
           <a:p>
             <a:fld id="{DDDFD9E1-728A-3C4F-BA7D-0994F9A96443}" type="datetimeFigureOut">
               <a:rPr lang="en-US" smtClean="0"/>
-              <a:t>9/29/23</a:t>
+              <a:t>12/4/23</a:t>
             </a:fld>
             <a:endParaRPr lang="en-US"/>
           </a:p>
@@ -2669,7 +2669,7 @@
           <a:p>
             <a:fld id="{DDDFD9E1-728A-3C4F-BA7D-0994F9A96443}" type="datetimeFigureOut">
               <a:rPr lang="en-US" smtClean="0"/>
-              <a:t>9/29/23</a:t>
+              <a:t>12/4/23</a:t>
             </a:fld>
             <a:endParaRPr lang="en-US"/>
           </a:p>
@@ -2910,7 +2910,7 @@
           <a:p>
             <a:fld id="{DDDFD9E1-728A-3C4F-BA7D-0994F9A96443}" type="datetimeFigureOut">
               <a:rPr lang="en-US" smtClean="0"/>
-              <a:t>9/29/23</a:t>
+              <a:t>12/4/23</a:t>
             </a:fld>
             <a:endParaRPr lang="en-US"/>
           </a:p>
@@ -4840,7 +4840,7 @@
         </p:nvGrpSpPr>
         <p:grpSpPr>
           <a:xfrm>
-            <a:off x="4434912" y="1649826"/>
+            <a:off x="3546477" y="563688"/>
             <a:ext cx="2598660" cy="2743200"/>
             <a:chOff x="4434912" y="1649826"/>
             <a:chExt cx="2598660" cy="2743200"/>
@@ -5048,7 +5048,7 @@
         </p:nvGrpSpPr>
         <p:grpSpPr>
           <a:xfrm>
-            <a:off x="1321015" y="1649826"/>
+            <a:off x="603087" y="563688"/>
             <a:ext cx="2598660" cy="2743200"/>
             <a:chOff x="1167533" y="2270313"/>
             <a:chExt cx="2598660" cy="2743200"/>
@@ -5248,7 +5248,7 @@
         </p:nvGrpSpPr>
         <p:grpSpPr>
           <a:xfrm>
-            <a:off x="7432728" y="1649825"/>
+            <a:off x="6489866" y="563688"/>
             <a:ext cx="2598660" cy="2743200"/>
             <a:chOff x="7432728" y="1649825"/>
             <a:chExt cx="2598660" cy="2743200"/>
@@ -5553,6 +5553,191 @@
             </p:pic>
           </p:grpSp>
         </p:grpSp>
+      </p:grpSp>
+      <p:grpSp>
+        <p:nvGrpSpPr>
+          <p:cNvPr id="33" name="Group 32">
+            <a:extLst>
+              <a:ext uri="{FF2B5EF4-FFF2-40B4-BE49-F238E27FC236}">
+                <a16:creationId xmlns:a16="http://schemas.microsoft.com/office/drawing/2014/main" id="{49F59ADB-04C9-5EED-FD34-708D63A17785}"/>
+              </a:ext>
+            </a:extLst>
+          </p:cNvPr>
+          <p:cNvGrpSpPr/>
+          <p:nvPr/>
+        </p:nvGrpSpPr>
+        <p:grpSpPr>
+          <a:xfrm>
+            <a:off x="9360320" y="564454"/>
+            <a:ext cx="2598660" cy="2743200"/>
+            <a:chOff x="9360320" y="564454"/>
+            <a:chExt cx="2598660" cy="2743200"/>
+          </a:xfrm>
+        </p:grpSpPr>
+        <p:grpSp>
+          <p:nvGrpSpPr>
+            <p:cNvPr id="13" name="Group 12">
+              <a:extLst>
+                <a:ext uri="{FF2B5EF4-FFF2-40B4-BE49-F238E27FC236}">
+                  <a16:creationId xmlns:a16="http://schemas.microsoft.com/office/drawing/2014/main" id="{B6EC0ED9-4879-CFFE-51D3-47549BE2413B}"/>
+                </a:ext>
+              </a:extLst>
+            </p:cNvPr>
+            <p:cNvGrpSpPr/>
+            <p:nvPr/>
+          </p:nvGrpSpPr>
+          <p:grpSpPr>
+            <a:xfrm>
+              <a:off x="9360320" y="564454"/>
+              <a:ext cx="2598660" cy="2743200"/>
+              <a:chOff x="4502645" y="1986643"/>
+              <a:chExt cx="1143000" cy="1143000"/>
+            </a:xfrm>
+            <a:noFill/>
+          </p:grpSpPr>
+          <p:sp>
+            <p:nvSpPr>
+              <p:cNvPr id="29" name="Hexagon 28">
+                <a:extLst>
+                  <a:ext uri="{FF2B5EF4-FFF2-40B4-BE49-F238E27FC236}">
+                    <a16:creationId xmlns:a16="http://schemas.microsoft.com/office/drawing/2014/main" id="{CFC78813-786A-3543-B9F4-D7BC1DD8773C}"/>
+                  </a:ext>
+                </a:extLst>
+              </p:cNvPr>
+              <p:cNvSpPr/>
+              <p:nvPr/>
+            </p:nvSpPr>
+            <p:spPr>
+              <a:xfrm rot="16200000">
+                <a:off x="4502645" y="1986643"/>
+                <a:ext cx="1143000" cy="1143000"/>
+              </a:xfrm>
+              <a:prstGeom prst="hexagon">
+                <a:avLst/>
+              </a:prstGeom>
+              <a:solidFill>
+                <a:srgbClr val="FFCFFD"/>
+              </a:solidFill>
+              <a:ln w="57150">
+                <a:solidFill>
+                  <a:schemeClr val="accent1">
+                    <a:lumMod val="75000"/>
+                  </a:schemeClr>
+                </a:solidFill>
+              </a:ln>
+            </p:spPr>
+            <p:style>
+              <a:lnRef idx="2">
+                <a:schemeClr val="accent1">
+                  <a:shade val="15000"/>
+                </a:schemeClr>
+              </a:lnRef>
+              <a:fillRef idx="1">
+                <a:schemeClr val="accent1"/>
+              </a:fillRef>
+              <a:effectRef idx="0">
+                <a:schemeClr val="accent1"/>
+              </a:effectRef>
+              <a:fontRef idx="minor">
+                <a:schemeClr val="lt1"/>
+              </a:fontRef>
+            </p:style>
+            <p:txBody>
+              <a:bodyPr rtlCol="0" anchor="ctr"/>
+              <a:lstStyle/>
+              <a:p>
+                <a:pPr algn="ctr"/>
+                <a:endParaRPr lang="en-US" dirty="0"/>
+              </a:p>
+            </p:txBody>
+          </p:sp>
+          <p:sp>
+            <p:nvSpPr>
+              <p:cNvPr id="30" name="TextBox 29">
+                <a:extLst>
+                  <a:ext uri="{FF2B5EF4-FFF2-40B4-BE49-F238E27FC236}">
+                    <a16:creationId xmlns:a16="http://schemas.microsoft.com/office/drawing/2014/main" id="{E4ADC74D-08DE-6E1A-1B2C-5D9046CEC09B}"/>
+                  </a:ext>
+                </a:extLst>
+              </p:cNvPr>
+              <p:cNvSpPr txBox="1"/>
+              <p:nvPr/>
+            </p:nvSpPr>
+            <p:spPr>
+              <a:xfrm>
+                <a:off x="4553391" y="2227295"/>
+                <a:ext cx="1041508" cy="166713"/>
+              </a:xfrm>
+              <a:prstGeom prst="rect">
+                <a:avLst/>
+              </a:prstGeom>
+              <a:grpFill/>
+              <a:ln>
+                <a:noFill/>
+              </a:ln>
+            </p:spPr>
+            <p:txBody>
+              <a:bodyPr wrap="square" rtlCol="0">
+                <a:spAutoFit/>
+              </a:bodyPr>
+              <a:lstStyle/>
+              <a:p>
+                <a:pPr algn="ctr"/>
+                <a:r>
+                  <a:rPr lang="en-US" sz="2000" b="1" dirty="0">
+                    <a:solidFill>
+                      <a:schemeClr val="accent1">
+                        <a:lumMod val="75000"/>
+                      </a:schemeClr>
+                    </a:solidFill>
+                    <a:latin typeface="Myanmar Text" panose="020B0502040204020203" pitchFamily="34" charset="0"/>
+                    <a:cs typeface="Myanmar Text" panose="020B0502040204020203" pitchFamily="34" charset="0"/>
+                  </a:rPr>
+                  <a:t>Regression</a:t>
+                </a:r>
+                <a:endParaRPr lang="en-US" sz="1100" b="1" dirty="0">
+                  <a:solidFill>
+                    <a:schemeClr val="accent1">
+                      <a:lumMod val="75000"/>
+                    </a:schemeClr>
+                  </a:solidFill>
+                  <a:latin typeface="Myanmar Text" panose="020B0502040204020203" pitchFamily="34" charset="0"/>
+                  <a:cs typeface="Myanmar Text" panose="020B0502040204020203" pitchFamily="34" charset="0"/>
+                </a:endParaRPr>
+              </a:p>
+            </p:txBody>
+          </p:sp>
+        </p:grpSp>
+        <p:pic>
+          <p:nvPicPr>
+            <p:cNvPr id="32" name="Picture 31">
+              <a:extLst>
+                <a:ext uri="{FF2B5EF4-FFF2-40B4-BE49-F238E27FC236}">
+                  <a16:creationId xmlns:a16="http://schemas.microsoft.com/office/drawing/2014/main" id="{CEFF9CD5-4E79-573F-0B20-25A29768766F}"/>
+                </a:ext>
+              </a:extLst>
+            </p:cNvPr>
+            <p:cNvPicPr>
+              <a:picLocks noChangeAspect="1"/>
+            </p:cNvPicPr>
+            <p:nvPr/>
+          </p:nvPicPr>
+          <p:blipFill>
+            <a:blip r:embed="rId7"/>
+            <a:stretch>
+              <a:fillRect/>
+            </a:stretch>
+          </p:blipFill>
+          <p:spPr>
+            <a:xfrm>
+              <a:off x="9922312" y="1542130"/>
+              <a:ext cx="1474676" cy="1250018"/>
+            </a:xfrm>
+            <a:prstGeom prst="rect">
+              <a:avLst/>
+            </a:prstGeom>
+          </p:spPr>
+        </p:pic>
       </p:grpSp>
     </p:spTree>
     <p:extLst>

--- a/files/images/Content.pptx
+++ b/files/images/Content.pptx
@@ -260,7 +260,7 @@
           <a:p>
             <a:fld id="{DDDFD9E1-728A-3C4F-BA7D-0994F9A96443}" type="datetimeFigureOut">
               <a:rPr lang="en-US" smtClean="0"/>
-              <a:t>12/4/23</a:t>
+              <a:t>1/17/24</a:t>
             </a:fld>
             <a:endParaRPr lang="en-US"/>
           </a:p>
@@ -458,7 +458,7 @@
           <a:p>
             <a:fld id="{DDDFD9E1-728A-3C4F-BA7D-0994F9A96443}" type="datetimeFigureOut">
               <a:rPr lang="en-US" smtClean="0"/>
-              <a:t>12/4/23</a:t>
+              <a:t>1/17/24</a:t>
             </a:fld>
             <a:endParaRPr lang="en-US"/>
           </a:p>
@@ -666,7 +666,7 @@
           <a:p>
             <a:fld id="{DDDFD9E1-728A-3C4F-BA7D-0994F9A96443}" type="datetimeFigureOut">
               <a:rPr lang="en-US" smtClean="0"/>
-              <a:t>12/4/23</a:t>
+              <a:t>1/17/24</a:t>
             </a:fld>
             <a:endParaRPr lang="en-US"/>
           </a:p>
@@ -864,7 +864,7 @@
           <a:p>
             <a:fld id="{DDDFD9E1-728A-3C4F-BA7D-0994F9A96443}" type="datetimeFigureOut">
               <a:rPr lang="en-US" smtClean="0"/>
-              <a:t>12/4/23</a:t>
+              <a:t>1/17/24</a:t>
             </a:fld>
             <a:endParaRPr lang="en-US"/>
           </a:p>
@@ -1139,7 +1139,7 @@
           <a:p>
             <a:fld id="{DDDFD9E1-728A-3C4F-BA7D-0994F9A96443}" type="datetimeFigureOut">
               <a:rPr lang="en-US" smtClean="0"/>
-              <a:t>12/4/23</a:t>
+              <a:t>1/17/24</a:t>
             </a:fld>
             <a:endParaRPr lang="en-US"/>
           </a:p>
@@ -1404,7 +1404,7 @@
           <a:p>
             <a:fld id="{DDDFD9E1-728A-3C4F-BA7D-0994F9A96443}" type="datetimeFigureOut">
               <a:rPr lang="en-US" smtClean="0"/>
-              <a:t>12/4/23</a:t>
+              <a:t>1/17/24</a:t>
             </a:fld>
             <a:endParaRPr lang="en-US"/>
           </a:p>
@@ -1816,7 +1816,7 @@
           <a:p>
             <a:fld id="{DDDFD9E1-728A-3C4F-BA7D-0994F9A96443}" type="datetimeFigureOut">
               <a:rPr lang="en-US" smtClean="0"/>
-              <a:t>12/4/23</a:t>
+              <a:t>1/17/24</a:t>
             </a:fld>
             <a:endParaRPr lang="en-US"/>
           </a:p>
@@ -1957,7 +1957,7 @@
           <a:p>
             <a:fld id="{DDDFD9E1-728A-3C4F-BA7D-0994F9A96443}" type="datetimeFigureOut">
               <a:rPr lang="en-US" smtClean="0"/>
-              <a:t>12/4/23</a:t>
+              <a:t>1/17/24</a:t>
             </a:fld>
             <a:endParaRPr lang="en-US"/>
           </a:p>
@@ -2070,7 +2070,7 @@
           <a:p>
             <a:fld id="{DDDFD9E1-728A-3C4F-BA7D-0994F9A96443}" type="datetimeFigureOut">
               <a:rPr lang="en-US" smtClean="0"/>
-              <a:t>12/4/23</a:t>
+              <a:t>1/17/24</a:t>
             </a:fld>
             <a:endParaRPr lang="en-US"/>
           </a:p>
@@ -2381,7 +2381,7 @@
           <a:p>
             <a:fld id="{DDDFD9E1-728A-3C4F-BA7D-0994F9A96443}" type="datetimeFigureOut">
               <a:rPr lang="en-US" smtClean="0"/>
-              <a:t>12/4/23</a:t>
+              <a:t>1/17/24</a:t>
             </a:fld>
             <a:endParaRPr lang="en-US"/>
           </a:p>
@@ -2669,7 +2669,7 @@
           <a:p>
             <a:fld id="{DDDFD9E1-728A-3C4F-BA7D-0994F9A96443}" type="datetimeFigureOut">
               <a:rPr lang="en-US" smtClean="0"/>
-              <a:t>12/4/23</a:t>
+              <a:t>1/17/24</a:t>
             </a:fld>
             <a:endParaRPr lang="en-US"/>
           </a:p>
@@ -2910,7 +2910,7 @@
           <a:p>
             <a:fld id="{DDDFD9E1-728A-3C4F-BA7D-0994F9A96443}" type="datetimeFigureOut">
               <a:rPr lang="en-US" smtClean="0"/>
-              <a:t>12/4/23</a:t>
+              <a:t>1/17/24</a:t>
             </a:fld>
             <a:endParaRPr lang="en-US"/>
           </a:p>
@@ -5739,6 +5739,201 @@
           </p:spPr>
         </p:pic>
       </p:grpSp>
+      <p:grpSp>
+        <p:nvGrpSpPr>
+          <p:cNvPr id="40" name="Group 39">
+            <a:extLst>
+              <a:ext uri="{FF2B5EF4-FFF2-40B4-BE49-F238E27FC236}">
+                <a16:creationId xmlns:a16="http://schemas.microsoft.com/office/drawing/2014/main" id="{D6D475B3-90CD-A8B1-6391-5EADEC508E11}"/>
+              </a:ext>
+            </a:extLst>
+          </p:cNvPr>
+          <p:cNvGrpSpPr/>
+          <p:nvPr/>
+        </p:nvGrpSpPr>
+        <p:grpSpPr>
+          <a:xfrm>
+            <a:off x="2038315" y="3193001"/>
+            <a:ext cx="2598660" cy="2743200"/>
+            <a:chOff x="2050800" y="2889395"/>
+            <a:chExt cx="2598660" cy="2743200"/>
+          </a:xfrm>
+        </p:grpSpPr>
+        <p:grpSp>
+          <p:nvGrpSpPr>
+            <p:cNvPr id="24" name="Group 23">
+              <a:extLst>
+                <a:ext uri="{FF2B5EF4-FFF2-40B4-BE49-F238E27FC236}">
+                  <a16:creationId xmlns:a16="http://schemas.microsoft.com/office/drawing/2014/main" id="{3EBE1B8E-53A2-5DF2-E9D9-F16AFB64880A}"/>
+                </a:ext>
+              </a:extLst>
+            </p:cNvPr>
+            <p:cNvGrpSpPr/>
+            <p:nvPr/>
+          </p:nvGrpSpPr>
+          <p:grpSpPr>
+            <a:xfrm>
+              <a:off x="2050800" y="2889395"/>
+              <a:ext cx="2598660" cy="2743200"/>
+              <a:chOff x="4502645" y="1986643"/>
+              <a:chExt cx="1143000" cy="1143000"/>
+            </a:xfrm>
+            <a:noFill/>
+          </p:grpSpPr>
+          <p:sp>
+            <p:nvSpPr>
+              <p:cNvPr id="26" name="Hexagon 25">
+                <a:extLst>
+                  <a:ext uri="{FF2B5EF4-FFF2-40B4-BE49-F238E27FC236}">
+                    <a16:creationId xmlns:a16="http://schemas.microsoft.com/office/drawing/2014/main" id="{5B5DC564-1B18-FF38-893D-92C54E8C9819}"/>
+                  </a:ext>
+                </a:extLst>
+              </p:cNvPr>
+              <p:cNvSpPr/>
+              <p:nvPr/>
+            </p:nvSpPr>
+            <p:spPr>
+              <a:xfrm rot="16200000">
+                <a:off x="4502645" y="1986643"/>
+                <a:ext cx="1143000" cy="1143000"/>
+              </a:xfrm>
+              <a:prstGeom prst="hexagon">
+                <a:avLst/>
+              </a:prstGeom>
+              <a:solidFill>
+                <a:schemeClr val="accent4">
+                  <a:lumMod val="20000"/>
+                  <a:lumOff val="80000"/>
+                </a:schemeClr>
+              </a:solidFill>
+              <a:ln w="57150">
+                <a:solidFill>
+                  <a:srgbClr val="C00000"/>
+                </a:solidFill>
+              </a:ln>
+            </p:spPr>
+            <p:style>
+              <a:lnRef idx="2">
+                <a:schemeClr val="accent1">
+                  <a:shade val="15000"/>
+                </a:schemeClr>
+              </a:lnRef>
+              <a:fillRef idx="1">
+                <a:schemeClr val="accent1"/>
+              </a:fillRef>
+              <a:effectRef idx="0">
+                <a:schemeClr val="accent1"/>
+              </a:effectRef>
+              <a:fontRef idx="minor">
+                <a:schemeClr val="lt1"/>
+              </a:fontRef>
+            </p:style>
+            <p:txBody>
+              <a:bodyPr rtlCol="0" anchor="ctr"/>
+              <a:lstStyle/>
+              <a:p>
+                <a:pPr algn="ctr"/>
+                <a:endParaRPr lang="en-US" dirty="0"/>
+              </a:p>
+            </p:txBody>
+          </p:sp>
+          <p:sp>
+            <p:nvSpPr>
+              <p:cNvPr id="27" name="TextBox 26">
+                <a:extLst>
+                  <a:ext uri="{FF2B5EF4-FFF2-40B4-BE49-F238E27FC236}">
+                    <a16:creationId xmlns:a16="http://schemas.microsoft.com/office/drawing/2014/main" id="{F4397B11-8903-35E9-6227-4B7F1A816638}"/>
+                  </a:ext>
+                </a:extLst>
+              </p:cNvPr>
+              <p:cNvSpPr txBox="1"/>
+              <p:nvPr/>
+            </p:nvSpPr>
+            <p:spPr>
+              <a:xfrm>
+                <a:off x="4553391" y="2181414"/>
+                <a:ext cx="1041508" cy="294953"/>
+              </a:xfrm>
+              <a:prstGeom prst="rect">
+                <a:avLst/>
+              </a:prstGeom>
+              <a:grpFill/>
+              <a:ln>
+                <a:noFill/>
+              </a:ln>
+            </p:spPr>
+            <p:txBody>
+              <a:bodyPr wrap="square" rtlCol="0">
+                <a:spAutoFit/>
+              </a:bodyPr>
+              <a:lstStyle/>
+              <a:p>
+                <a:pPr algn="ctr"/>
+                <a:r>
+                  <a:rPr lang="en-US" sz="2000" b="1" dirty="0">
+                    <a:solidFill>
+                      <a:srgbClr val="C00000"/>
+                    </a:solidFill>
+                    <a:latin typeface="Myanmar Text" panose="020B0502040204020203" pitchFamily="34" charset="0"/>
+                    <a:cs typeface="Myanmar Text" panose="020B0502040204020203" pitchFamily="34" charset="0"/>
+                  </a:rPr>
+                  <a:t>Master’s </a:t>
+                </a:r>
+              </a:p>
+              <a:p>
+                <a:pPr algn="ctr"/>
+                <a:r>
+                  <a:rPr lang="en-US" sz="2000" b="1" dirty="0">
+                    <a:solidFill>
+                      <a:srgbClr val="C00000"/>
+                    </a:solidFill>
+                    <a:latin typeface="Myanmar Text" panose="020B0502040204020203" pitchFamily="34" charset="0"/>
+                    <a:cs typeface="Myanmar Text" panose="020B0502040204020203" pitchFamily="34" charset="0"/>
+                  </a:rPr>
+                  <a:t>Project</a:t>
+                </a:r>
+                <a:endParaRPr lang="en-US" sz="1100" b="1" dirty="0">
+                  <a:solidFill>
+                    <a:srgbClr val="C00000"/>
+                  </a:solidFill>
+                  <a:latin typeface="Myanmar Text" panose="020B0502040204020203" pitchFamily="34" charset="0"/>
+                  <a:cs typeface="Myanmar Text" panose="020B0502040204020203" pitchFamily="34" charset="0"/>
+                </a:endParaRPr>
+              </a:p>
+            </p:txBody>
+          </p:sp>
+        </p:grpSp>
+        <p:pic>
+          <p:nvPicPr>
+            <p:cNvPr id="39" name="Picture 38">
+              <a:extLst>
+                <a:ext uri="{FF2B5EF4-FFF2-40B4-BE49-F238E27FC236}">
+                  <a16:creationId xmlns:a16="http://schemas.microsoft.com/office/drawing/2014/main" id="{6C86EE05-FA34-1DD9-C60B-D654686309CE}"/>
+                </a:ext>
+              </a:extLst>
+            </p:cNvPr>
+            <p:cNvPicPr>
+              <a:picLocks noChangeAspect="1"/>
+            </p:cNvPicPr>
+            <p:nvPr/>
+          </p:nvPicPr>
+          <p:blipFill>
+            <a:blip r:embed="rId8"/>
+            <a:stretch>
+              <a:fillRect/>
+            </a:stretch>
+          </p:blipFill>
+          <p:spPr>
+            <a:xfrm>
+              <a:off x="2417724" y="3696752"/>
+              <a:ext cx="1851012" cy="1851012"/>
+            </a:xfrm>
+            <a:prstGeom prst="rect">
+              <a:avLst/>
+            </a:prstGeom>
+          </p:spPr>
+        </p:pic>
+      </p:grpSp>
     </p:spTree>
     <p:extLst>
       <p:ext uri="{BB962C8B-B14F-4D97-AF65-F5344CB8AC3E}">

--- a/files/images/Content.pptx
+++ b/files/images/Content.pptx
@@ -260,7 +260,7 @@
           <a:p>
             <a:fld id="{DDDFD9E1-728A-3C4F-BA7D-0994F9A96443}" type="datetimeFigureOut">
               <a:rPr lang="en-US" smtClean="0"/>
-              <a:t>1/17/24</a:t>
+              <a:t>2/6/24</a:t>
             </a:fld>
             <a:endParaRPr lang="en-US"/>
           </a:p>
@@ -458,7 +458,7 @@
           <a:p>
             <a:fld id="{DDDFD9E1-728A-3C4F-BA7D-0994F9A96443}" type="datetimeFigureOut">
               <a:rPr lang="en-US" smtClean="0"/>
-              <a:t>1/17/24</a:t>
+              <a:t>2/6/24</a:t>
             </a:fld>
             <a:endParaRPr lang="en-US"/>
           </a:p>
@@ -666,7 +666,7 @@
           <a:p>
             <a:fld id="{DDDFD9E1-728A-3C4F-BA7D-0994F9A96443}" type="datetimeFigureOut">
               <a:rPr lang="en-US" smtClean="0"/>
-              <a:t>1/17/24</a:t>
+              <a:t>2/6/24</a:t>
             </a:fld>
             <a:endParaRPr lang="en-US"/>
           </a:p>
@@ -864,7 +864,7 @@
           <a:p>
             <a:fld id="{DDDFD9E1-728A-3C4F-BA7D-0994F9A96443}" type="datetimeFigureOut">
               <a:rPr lang="en-US" smtClean="0"/>
-              <a:t>1/17/24</a:t>
+              <a:t>2/6/24</a:t>
             </a:fld>
             <a:endParaRPr lang="en-US"/>
           </a:p>
@@ -1139,7 +1139,7 @@
           <a:p>
             <a:fld id="{DDDFD9E1-728A-3C4F-BA7D-0994F9A96443}" type="datetimeFigureOut">
               <a:rPr lang="en-US" smtClean="0"/>
-              <a:t>1/17/24</a:t>
+              <a:t>2/6/24</a:t>
             </a:fld>
             <a:endParaRPr lang="en-US"/>
           </a:p>
@@ -1404,7 +1404,7 @@
           <a:p>
             <a:fld id="{DDDFD9E1-728A-3C4F-BA7D-0994F9A96443}" type="datetimeFigureOut">
               <a:rPr lang="en-US" smtClean="0"/>
-              <a:t>1/17/24</a:t>
+              <a:t>2/6/24</a:t>
             </a:fld>
             <a:endParaRPr lang="en-US"/>
           </a:p>
@@ -1816,7 +1816,7 @@
           <a:p>
             <a:fld id="{DDDFD9E1-728A-3C4F-BA7D-0994F9A96443}" type="datetimeFigureOut">
               <a:rPr lang="en-US" smtClean="0"/>
-              <a:t>1/17/24</a:t>
+              <a:t>2/6/24</a:t>
             </a:fld>
             <a:endParaRPr lang="en-US"/>
           </a:p>
@@ -1957,7 +1957,7 @@
           <a:p>
             <a:fld id="{DDDFD9E1-728A-3C4F-BA7D-0994F9A96443}" type="datetimeFigureOut">
               <a:rPr lang="en-US" smtClean="0"/>
-              <a:t>1/17/24</a:t>
+              <a:t>2/6/24</a:t>
             </a:fld>
             <a:endParaRPr lang="en-US"/>
           </a:p>
@@ -2070,7 +2070,7 @@
           <a:p>
             <a:fld id="{DDDFD9E1-728A-3C4F-BA7D-0994F9A96443}" type="datetimeFigureOut">
               <a:rPr lang="en-US" smtClean="0"/>
-              <a:t>1/17/24</a:t>
+              <a:t>2/6/24</a:t>
             </a:fld>
             <a:endParaRPr lang="en-US"/>
           </a:p>
@@ -2381,7 +2381,7 @@
           <a:p>
             <a:fld id="{DDDFD9E1-728A-3C4F-BA7D-0994F9A96443}" type="datetimeFigureOut">
               <a:rPr lang="en-US" smtClean="0"/>
-              <a:t>1/17/24</a:t>
+              <a:t>2/6/24</a:t>
             </a:fld>
             <a:endParaRPr lang="en-US"/>
           </a:p>
@@ -2669,7 +2669,7 @@
           <a:p>
             <a:fld id="{DDDFD9E1-728A-3C4F-BA7D-0994F9A96443}" type="datetimeFigureOut">
               <a:rPr lang="en-US" smtClean="0"/>
-              <a:t>1/17/24</a:t>
+              <a:t>2/6/24</a:t>
             </a:fld>
             <a:endParaRPr lang="en-US"/>
           </a:p>
@@ -2910,7 +2910,7 @@
           <a:p>
             <a:fld id="{DDDFD9E1-728A-3C4F-BA7D-0994F9A96443}" type="datetimeFigureOut">
               <a:rPr lang="en-US" smtClean="0"/>
-              <a:t>1/17/24</a:t>
+              <a:t>2/6/24</a:t>
             </a:fld>
             <a:endParaRPr lang="en-US"/>
           </a:p>
@@ -5934,6 +5934,202 @@
           </p:spPr>
         </p:pic>
       </p:grpSp>
+      <p:grpSp>
+        <p:nvGrpSpPr>
+          <p:cNvPr id="45" name="Group 44">
+            <a:extLst>
+              <a:ext uri="{FF2B5EF4-FFF2-40B4-BE49-F238E27FC236}">
+                <a16:creationId xmlns:a16="http://schemas.microsoft.com/office/drawing/2014/main" id="{6F4671D9-E750-95F1-1817-EBC69056F2EE}"/>
+              </a:ext>
+            </a:extLst>
+          </p:cNvPr>
+          <p:cNvGrpSpPr/>
+          <p:nvPr/>
+        </p:nvGrpSpPr>
+        <p:grpSpPr>
+          <a:xfrm>
+            <a:off x="5003900" y="3193001"/>
+            <a:ext cx="2598660" cy="2743200"/>
+            <a:chOff x="5003900" y="3193001"/>
+            <a:chExt cx="2598660" cy="2743200"/>
+          </a:xfrm>
+        </p:grpSpPr>
+        <p:grpSp>
+          <p:nvGrpSpPr>
+            <p:cNvPr id="25" name="Group 24">
+              <a:extLst>
+                <a:ext uri="{FF2B5EF4-FFF2-40B4-BE49-F238E27FC236}">
+                  <a16:creationId xmlns:a16="http://schemas.microsoft.com/office/drawing/2014/main" id="{6C5C0B5B-A555-9AF6-3F6F-20F313B01C12}"/>
+                </a:ext>
+              </a:extLst>
+            </p:cNvPr>
+            <p:cNvGrpSpPr/>
+            <p:nvPr/>
+          </p:nvGrpSpPr>
+          <p:grpSpPr>
+            <a:xfrm>
+              <a:off x="5003900" y="3193001"/>
+              <a:ext cx="2598660" cy="2743200"/>
+              <a:chOff x="4502645" y="1986643"/>
+              <a:chExt cx="1143000" cy="1143000"/>
+            </a:xfrm>
+            <a:solidFill>
+              <a:schemeClr val="bg1"/>
+            </a:solidFill>
+          </p:grpSpPr>
+          <p:sp>
+            <p:nvSpPr>
+              <p:cNvPr id="31" name="Hexagon 30">
+                <a:extLst>
+                  <a:ext uri="{FF2B5EF4-FFF2-40B4-BE49-F238E27FC236}">
+                    <a16:creationId xmlns:a16="http://schemas.microsoft.com/office/drawing/2014/main" id="{C10E24B1-75A9-1443-8677-AD1E7A4955B1}"/>
+                  </a:ext>
+                </a:extLst>
+              </p:cNvPr>
+              <p:cNvSpPr/>
+              <p:nvPr/>
+            </p:nvSpPr>
+            <p:spPr>
+              <a:xfrm rot="16200000">
+                <a:off x="4502645" y="1986643"/>
+                <a:ext cx="1143000" cy="1143000"/>
+              </a:xfrm>
+              <a:prstGeom prst="hexagon">
+                <a:avLst/>
+              </a:prstGeom>
+              <a:solidFill>
+                <a:schemeClr val="bg1">
+                  <a:lumMod val="95000"/>
+                </a:schemeClr>
+              </a:solidFill>
+              <a:ln w="57150">
+                <a:solidFill>
+                  <a:srgbClr val="A84EEF"/>
+                </a:solidFill>
+              </a:ln>
+            </p:spPr>
+            <p:style>
+              <a:lnRef idx="2">
+                <a:schemeClr val="accent1">
+                  <a:shade val="15000"/>
+                </a:schemeClr>
+              </a:lnRef>
+              <a:fillRef idx="1">
+                <a:schemeClr val="accent1"/>
+              </a:fillRef>
+              <a:effectRef idx="0">
+                <a:schemeClr val="accent1"/>
+              </a:effectRef>
+              <a:fontRef idx="minor">
+                <a:schemeClr val="lt1"/>
+              </a:fontRef>
+            </p:style>
+            <p:txBody>
+              <a:bodyPr rtlCol="0" anchor="ctr"/>
+              <a:lstStyle/>
+              <a:p>
+                <a:pPr algn="ctr"/>
+                <a:endParaRPr lang="en-US" dirty="0"/>
+              </a:p>
+            </p:txBody>
+          </p:sp>
+          <p:sp>
+            <p:nvSpPr>
+              <p:cNvPr id="34" name="TextBox 33">
+                <a:extLst>
+                  <a:ext uri="{FF2B5EF4-FFF2-40B4-BE49-F238E27FC236}">
+                    <a16:creationId xmlns:a16="http://schemas.microsoft.com/office/drawing/2014/main" id="{D5F2490C-EE4B-5237-50DB-1BB8019C677E}"/>
+                  </a:ext>
+                </a:extLst>
+              </p:cNvPr>
+              <p:cNvSpPr txBox="1"/>
+              <p:nvPr/>
+            </p:nvSpPr>
+            <p:spPr>
+              <a:xfrm>
+                <a:off x="4553391" y="2189331"/>
+                <a:ext cx="1041508" cy="294953"/>
+              </a:xfrm>
+              <a:prstGeom prst="rect">
+                <a:avLst/>
+              </a:prstGeom>
+              <a:noFill/>
+              <a:ln>
+                <a:noFill/>
+              </a:ln>
+            </p:spPr>
+            <p:txBody>
+              <a:bodyPr wrap="square" rtlCol="0">
+                <a:spAutoFit/>
+              </a:bodyPr>
+              <a:lstStyle/>
+              <a:p>
+                <a:pPr algn="ctr"/>
+                <a:r>
+                  <a:rPr lang="en-US" sz="2000" b="1" dirty="0">
+                    <a:solidFill>
+                      <a:srgbClr val="A84EEF"/>
+                    </a:solidFill>
+                    <a:latin typeface="Myanmar Text" panose="020B0502040204020203" pitchFamily="34" charset="0"/>
+                    <a:cs typeface="Myanmar Text" panose="020B0502040204020203" pitchFamily="34" charset="0"/>
+                  </a:rPr>
+                  <a:t>Bayesian </a:t>
+                </a:r>
+              </a:p>
+              <a:p>
+                <a:pPr algn="ctr"/>
+                <a:r>
+                  <a:rPr lang="en-US" sz="2000" b="1" dirty="0">
+                    <a:solidFill>
+                      <a:srgbClr val="A84EEF"/>
+                    </a:solidFill>
+                    <a:latin typeface="Myanmar Text" panose="020B0502040204020203" pitchFamily="34" charset="0"/>
+                    <a:cs typeface="Myanmar Text" panose="020B0502040204020203" pitchFamily="34" charset="0"/>
+                  </a:rPr>
+                  <a:t>Statistics</a:t>
+                </a:r>
+                <a:endParaRPr lang="en-US" sz="1100" b="1" dirty="0">
+                  <a:solidFill>
+                    <a:srgbClr val="A84EEF"/>
+                  </a:solidFill>
+                  <a:latin typeface="Myanmar Text" panose="020B0502040204020203" pitchFamily="34" charset="0"/>
+                  <a:cs typeface="Myanmar Text" panose="020B0502040204020203" pitchFamily="34" charset="0"/>
+                </a:endParaRPr>
+              </a:p>
+            </p:txBody>
+          </p:sp>
+        </p:grpSp>
+        <p:pic>
+          <p:nvPicPr>
+            <p:cNvPr id="44" name="Picture 43">
+              <a:extLst>
+                <a:ext uri="{FF2B5EF4-FFF2-40B4-BE49-F238E27FC236}">
+                  <a16:creationId xmlns:a16="http://schemas.microsoft.com/office/drawing/2014/main" id="{0496E169-457C-66B3-B368-0C08A4179AE9}"/>
+                </a:ext>
+              </a:extLst>
+            </p:cNvPr>
+            <p:cNvPicPr>
+              <a:picLocks noChangeAspect="1"/>
+            </p:cNvPicPr>
+            <p:nvPr/>
+          </p:nvPicPr>
+          <p:blipFill>
+            <a:blip r:embed="rId9"/>
+            <a:stretch>
+              <a:fillRect/>
+            </a:stretch>
+          </p:blipFill>
+          <p:spPr>
+            <a:xfrm>
+              <a:off x="5511367" y="4142092"/>
+              <a:ext cx="1583726" cy="1556103"/>
+            </a:xfrm>
+            <a:prstGeom prst="rect">
+              <a:avLst/>
+            </a:prstGeom>
+          </p:spPr>
+        </p:pic>
+      </p:grpSp>
     </p:spTree>
     <p:extLst>
       <p:ext uri="{BB962C8B-B14F-4D97-AF65-F5344CB8AC3E}">

--- a/files/images/Content.pptx
+++ b/files/images/Content.pptx
@@ -6,7 +6,8 @@
   </p:sldMasterIdLst>
   <p:sldIdLst>
     <p:sldId id="256" r:id="rId2"/>
-    <p:sldId id="257" r:id="rId3"/>
+    <p:sldId id="258" r:id="rId3"/>
+    <p:sldId id="257" r:id="rId4"/>
   </p:sldIdLst>
   <p:sldSz cx="12192000" cy="6858000"/>
   <p:notesSz cx="6858000" cy="9144000"/>
@@ -260,7 +261,7 @@
           <a:p>
             <a:fld id="{DDDFD9E1-728A-3C4F-BA7D-0994F9A96443}" type="datetimeFigureOut">
               <a:rPr lang="en-US" smtClean="0"/>
-              <a:t>2/6/24</a:t>
+              <a:t>4/7/24</a:t>
             </a:fld>
             <a:endParaRPr lang="en-US"/>
           </a:p>
@@ -458,7 +459,7 @@
           <a:p>
             <a:fld id="{DDDFD9E1-728A-3C4F-BA7D-0994F9A96443}" type="datetimeFigureOut">
               <a:rPr lang="en-US" smtClean="0"/>
-              <a:t>2/6/24</a:t>
+              <a:t>4/7/24</a:t>
             </a:fld>
             <a:endParaRPr lang="en-US"/>
           </a:p>
@@ -666,7 +667,7 @@
           <a:p>
             <a:fld id="{DDDFD9E1-728A-3C4F-BA7D-0994F9A96443}" type="datetimeFigureOut">
               <a:rPr lang="en-US" smtClean="0"/>
-              <a:t>2/6/24</a:t>
+              <a:t>4/7/24</a:t>
             </a:fld>
             <a:endParaRPr lang="en-US"/>
           </a:p>
@@ -864,7 +865,7 @@
           <a:p>
             <a:fld id="{DDDFD9E1-728A-3C4F-BA7D-0994F9A96443}" type="datetimeFigureOut">
               <a:rPr lang="en-US" smtClean="0"/>
-              <a:t>2/6/24</a:t>
+              <a:t>4/7/24</a:t>
             </a:fld>
             <a:endParaRPr lang="en-US"/>
           </a:p>
@@ -1139,7 +1140,7 @@
           <a:p>
             <a:fld id="{DDDFD9E1-728A-3C4F-BA7D-0994F9A96443}" type="datetimeFigureOut">
               <a:rPr lang="en-US" smtClean="0"/>
-              <a:t>2/6/24</a:t>
+              <a:t>4/7/24</a:t>
             </a:fld>
             <a:endParaRPr lang="en-US"/>
           </a:p>
@@ -1404,7 +1405,7 @@
           <a:p>
             <a:fld id="{DDDFD9E1-728A-3C4F-BA7D-0994F9A96443}" type="datetimeFigureOut">
               <a:rPr lang="en-US" smtClean="0"/>
-              <a:t>2/6/24</a:t>
+              <a:t>4/7/24</a:t>
             </a:fld>
             <a:endParaRPr lang="en-US"/>
           </a:p>
@@ -1816,7 +1817,7 @@
           <a:p>
             <a:fld id="{DDDFD9E1-728A-3C4F-BA7D-0994F9A96443}" type="datetimeFigureOut">
               <a:rPr lang="en-US" smtClean="0"/>
-              <a:t>2/6/24</a:t>
+              <a:t>4/7/24</a:t>
             </a:fld>
             <a:endParaRPr lang="en-US"/>
           </a:p>
@@ -1957,7 +1958,7 @@
           <a:p>
             <a:fld id="{DDDFD9E1-728A-3C4F-BA7D-0994F9A96443}" type="datetimeFigureOut">
               <a:rPr lang="en-US" smtClean="0"/>
-              <a:t>2/6/24</a:t>
+              <a:t>4/7/24</a:t>
             </a:fld>
             <a:endParaRPr lang="en-US"/>
           </a:p>
@@ -2070,7 +2071,7 @@
           <a:p>
             <a:fld id="{DDDFD9E1-728A-3C4F-BA7D-0994F9A96443}" type="datetimeFigureOut">
               <a:rPr lang="en-US" smtClean="0"/>
-              <a:t>2/6/24</a:t>
+              <a:t>4/7/24</a:t>
             </a:fld>
             <a:endParaRPr lang="en-US"/>
           </a:p>
@@ -2381,7 +2382,7 @@
           <a:p>
             <a:fld id="{DDDFD9E1-728A-3C4F-BA7D-0994F9A96443}" type="datetimeFigureOut">
               <a:rPr lang="en-US" smtClean="0"/>
-              <a:t>2/6/24</a:t>
+              <a:t>4/7/24</a:t>
             </a:fld>
             <a:endParaRPr lang="en-US"/>
           </a:p>
@@ -2669,7 +2670,7 @@
           <a:p>
             <a:fld id="{DDDFD9E1-728A-3C4F-BA7D-0994F9A96443}" type="datetimeFigureOut">
               <a:rPr lang="en-US" smtClean="0"/>
-              <a:t>2/6/24</a:t>
+              <a:t>4/7/24</a:t>
             </a:fld>
             <a:endParaRPr lang="en-US"/>
           </a:p>
@@ -2910,7 +2911,7 @@
           <a:p>
             <a:fld id="{DDDFD9E1-728A-3C4F-BA7D-0994F9A96443}" type="datetimeFigureOut">
               <a:rPr lang="en-US" smtClean="0"/>
-              <a:t>2/6/24</a:t>
+              <a:t>4/7/24</a:t>
             </a:fld>
             <a:endParaRPr lang="en-US"/>
           </a:p>
@@ -6130,6 +6131,324 @@
           </p:spPr>
         </p:pic>
       </p:grpSp>
+      <p:grpSp>
+        <p:nvGrpSpPr>
+          <p:cNvPr id="48" name="Group 47">
+            <a:extLst>
+              <a:ext uri="{FF2B5EF4-FFF2-40B4-BE49-F238E27FC236}">
+                <a16:creationId xmlns:a16="http://schemas.microsoft.com/office/drawing/2014/main" id="{BB62CD64-E463-49F0-07C8-0489D986DFD8}"/>
+              </a:ext>
+            </a:extLst>
+          </p:cNvPr>
+          <p:cNvGrpSpPr/>
+          <p:nvPr/>
+        </p:nvGrpSpPr>
+        <p:grpSpPr>
+          <a:xfrm>
+            <a:off x="8027926" y="3306888"/>
+            <a:ext cx="2598660" cy="2743200"/>
+            <a:chOff x="8027926" y="3306888"/>
+            <a:chExt cx="2598660" cy="2743200"/>
+          </a:xfrm>
+        </p:grpSpPr>
+        <p:grpSp>
+          <p:nvGrpSpPr>
+            <p:cNvPr id="28" name="Group 27">
+              <a:extLst>
+                <a:ext uri="{FF2B5EF4-FFF2-40B4-BE49-F238E27FC236}">
+                  <a16:creationId xmlns:a16="http://schemas.microsoft.com/office/drawing/2014/main" id="{45002B39-3284-5D54-9095-2CDFB87AD832}"/>
+                </a:ext>
+              </a:extLst>
+            </p:cNvPr>
+            <p:cNvGrpSpPr/>
+            <p:nvPr/>
+          </p:nvGrpSpPr>
+          <p:grpSpPr>
+            <a:xfrm>
+              <a:off x="8027926" y="3306888"/>
+              <a:ext cx="2598660" cy="2743200"/>
+              <a:chOff x="4502645" y="1986643"/>
+              <a:chExt cx="1143000" cy="1143000"/>
+            </a:xfrm>
+            <a:solidFill>
+              <a:schemeClr val="bg1"/>
+            </a:solidFill>
+          </p:grpSpPr>
+          <p:sp>
+            <p:nvSpPr>
+              <p:cNvPr id="36" name="Hexagon 35">
+                <a:extLst>
+                  <a:ext uri="{FF2B5EF4-FFF2-40B4-BE49-F238E27FC236}">
+                    <a16:creationId xmlns:a16="http://schemas.microsoft.com/office/drawing/2014/main" id="{450867E5-0BA4-AB34-0D9D-3FAA5EB2158D}"/>
+                  </a:ext>
+                </a:extLst>
+              </p:cNvPr>
+              <p:cNvSpPr/>
+              <p:nvPr/>
+            </p:nvSpPr>
+            <p:spPr>
+              <a:xfrm rot="16200000">
+                <a:off x="4502645" y="1986643"/>
+                <a:ext cx="1143000" cy="1143000"/>
+              </a:xfrm>
+              <a:prstGeom prst="hexagon">
+                <a:avLst/>
+              </a:prstGeom>
+              <a:solidFill>
+                <a:schemeClr val="bg1"/>
+              </a:solidFill>
+              <a:ln w="57150">
+                <a:solidFill>
+                  <a:srgbClr val="002060"/>
+                </a:solidFill>
+              </a:ln>
+            </p:spPr>
+            <p:style>
+              <a:lnRef idx="2">
+                <a:schemeClr val="accent1">
+                  <a:shade val="15000"/>
+                </a:schemeClr>
+              </a:lnRef>
+              <a:fillRef idx="1">
+                <a:schemeClr val="accent1"/>
+              </a:fillRef>
+              <a:effectRef idx="0">
+                <a:schemeClr val="accent1"/>
+              </a:effectRef>
+              <a:fontRef idx="minor">
+                <a:schemeClr val="lt1"/>
+              </a:fontRef>
+            </p:style>
+            <p:txBody>
+              <a:bodyPr rtlCol="0" anchor="ctr"/>
+              <a:lstStyle/>
+              <a:p>
+                <a:pPr algn="ctr"/>
+                <a:endParaRPr lang="en-US" dirty="0"/>
+              </a:p>
+            </p:txBody>
+          </p:sp>
+          <p:sp>
+            <p:nvSpPr>
+              <p:cNvPr id="37" name="TextBox 36">
+                <a:extLst>
+                  <a:ext uri="{FF2B5EF4-FFF2-40B4-BE49-F238E27FC236}">
+                    <a16:creationId xmlns:a16="http://schemas.microsoft.com/office/drawing/2014/main" id="{A1B40CF0-A990-A4C5-2F2B-3FD25A0CCF8E}"/>
+                  </a:ext>
+                </a:extLst>
+              </p:cNvPr>
+              <p:cNvSpPr txBox="1"/>
+              <p:nvPr/>
+            </p:nvSpPr>
+            <p:spPr>
+              <a:xfrm>
+                <a:off x="4553391" y="2189331"/>
+                <a:ext cx="1041508" cy="166713"/>
+              </a:xfrm>
+              <a:prstGeom prst="rect">
+                <a:avLst/>
+              </a:prstGeom>
+              <a:noFill/>
+              <a:ln>
+                <a:noFill/>
+              </a:ln>
+            </p:spPr>
+            <p:txBody>
+              <a:bodyPr wrap="square" rtlCol="0">
+                <a:spAutoFit/>
+              </a:bodyPr>
+              <a:lstStyle/>
+              <a:p>
+                <a:pPr algn="ctr"/>
+                <a:r>
+                  <a:rPr lang="en-US" sz="2000" b="1" dirty="0">
+                    <a:solidFill>
+                      <a:schemeClr val="accent4"/>
+                    </a:solidFill>
+                    <a:latin typeface="Myanmar Text" panose="020B0502040204020203" pitchFamily="34" charset="0"/>
+                    <a:cs typeface="Myanmar Text" panose="020B0502040204020203" pitchFamily="34" charset="0"/>
+                  </a:rPr>
+                  <a:t>MAS I</a:t>
+                </a:r>
+                <a:endParaRPr lang="en-US" sz="1100" b="1" dirty="0">
+                  <a:solidFill>
+                    <a:schemeClr val="accent4"/>
+                  </a:solidFill>
+                  <a:latin typeface="Myanmar Text" panose="020B0502040204020203" pitchFamily="34" charset="0"/>
+                  <a:cs typeface="Myanmar Text" panose="020B0502040204020203" pitchFamily="34" charset="0"/>
+                </a:endParaRPr>
+              </a:p>
+            </p:txBody>
+          </p:sp>
+        </p:grpSp>
+        <p:pic>
+          <p:nvPicPr>
+            <p:cNvPr id="47" name="Picture 46">
+              <a:extLst>
+                <a:ext uri="{FF2B5EF4-FFF2-40B4-BE49-F238E27FC236}">
+                  <a16:creationId xmlns:a16="http://schemas.microsoft.com/office/drawing/2014/main" id="{315CC637-C69D-3F0C-DC4C-469FDD359CFB}"/>
+                </a:ext>
+              </a:extLst>
+            </p:cNvPr>
+            <p:cNvPicPr>
+              <a:picLocks noChangeAspect="1"/>
+            </p:cNvPicPr>
+            <p:nvPr/>
+          </p:nvPicPr>
+          <p:blipFill>
+            <a:blip r:embed="rId10"/>
+            <a:stretch>
+              <a:fillRect/>
+            </a:stretch>
+          </p:blipFill>
+          <p:spPr>
+            <a:xfrm>
+              <a:off x="8627643" y="4250785"/>
+              <a:ext cx="1338716" cy="1338716"/>
+            </a:xfrm>
+            <a:prstGeom prst="rect">
+              <a:avLst/>
+            </a:prstGeom>
+          </p:spPr>
+        </p:pic>
+      </p:grpSp>
+    </p:spTree>
+    <p:extLst>
+      <p:ext uri="{BB962C8B-B14F-4D97-AF65-F5344CB8AC3E}">
+        <p14:creationId xmlns:p14="http://schemas.microsoft.com/office/powerpoint/2010/main" val="3008031607"/>
+      </p:ext>
+    </p:extLst>
+  </p:cSld>
+  <p:clrMapOvr>
+    <a:masterClrMapping/>
+  </p:clrMapOvr>
+</p:sld>
+</file>
+
+<file path=ppt/slides/slide3.xml><?xml version="1.0" encoding="utf-8"?>
+<p:sld xmlns:a="http://schemas.openxmlformats.org/drawingml/2006/main" xmlns:r="http://schemas.openxmlformats.org/officeDocument/2006/relationships" xmlns:p="http://schemas.openxmlformats.org/presentationml/2006/main">
+  <p:cSld>
+    <p:spTree>
+      <p:nvGrpSpPr>
+        <p:cNvPr id="1" name=""/>
+        <p:cNvGrpSpPr/>
+        <p:nvPr/>
+      </p:nvGrpSpPr>
+      <p:grpSpPr>
+        <a:xfrm>
+          <a:off x="0" y="0"/>
+          <a:ext cx="0" cy="0"/>
+          <a:chOff x="0" y="0"/>
+          <a:chExt cx="0" cy="0"/>
+        </a:xfrm>
+      </p:grpSpPr>
+      <p:grpSp>
+        <p:nvGrpSpPr>
+          <p:cNvPr id="46" name="Group 45">
+            <a:extLst>
+              <a:ext uri="{FF2B5EF4-FFF2-40B4-BE49-F238E27FC236}">
+                <a16:creationId xmlns:a16="http://schemas.microsoft.com/office/drawing/2014/main" id="{3BFB8161-38C7-FB6B-BD25-9919FA524186}"/>
+              </a:ext>
+            </a:extLst>
+          </p:cNvPr>
+          <p:cNvGrpSpPr/>
+          <p:nvPr/>
+        </p:nvGrpSpPr>
+        <p:grpSpPr>
+          <a:xfrm>
+            <a:off x="603087" y="563688"/>
+            <a:ext cx="2598660" cy="2743200"/>
+            <a:chOff x="603087" y="563688"/>
+            <a:chExt cx="2598660" cy="2743200"/>
+          </a:xfrm>
+        </p:grpSpPr>
+        <p:sp>
+          <p:nvSpPr>
+            <p:cNvPr id="41" name="Hexagon 40">
+              <a:extLst>
+                <a:ext uri="{FF2B5EF4-FFF2-40B4-BE49-F238E27FC236}">
+                  <a16:creationId xmlns:a16="http://schemas.microsoft.com/office/drawing/2014/main" id="{F4336897-A8FD-2934-ABD5-3AEB17F83E30}"/>
+                </a:ext>
+              </a:extLst>
+            </p:cNvPr>
+            <p:cNvSpPr/>
+            <p:nvPr/>
+          </p:nvSpPr>
+          <p:spPr>
+            <a:xfrm rot="16200000">
+              <a:off x="530817" y="635958"/>
+              <a:ext cx="2743200" cy="2598660"/>
+            </a:xfrm>
+            <a:prstGeom prst="hexagon">
+              <a:avLst/>
+            </a:prstGeom>
+            <a:solidFill>
+              <a:schemeClr val="bg1">
+                <a:lumMod val="95000"/>
+              </a:schemeClr>
+            </a:solidFill>
+            <a:ln w="57150">
+              <a:solidFill>
+                <a:srgbClr val="FF0000"/>
+              </a:solidFill>
+            </a:ln>
+          </p:spPr>
+          <p:style>
+            <a:lnRef idx="2">
+              <a:schemeClr val="accent1">
+                <a:shade val="15000"/>
+              </a:schemeClr>
+            </a:lnRef>
+            <a:fillRef idx="1">
+              <a:schemeClr val="accent1"/>
+            </a:fillRef>
+            <a:effectRef idx="0">
+              <a:schemeClr val="accent1"/>
+            </a:effectRef>
+            <a:fontRef idx="minor">
+              <a:schemeClr val="lt1"/>
+            </a:fontRef>
+          </p:style>
+          <p:txBody>
+            <a:bodyPr rtlCol="0" anchor="ctr"/>
+            <a:lstStyle/>
+            <a:p>
+              <a:pPr algn="ctr"/>
+              <a:endParaRPr lang="en-US" dirty="0"/>
+            </a:p>
+          </p:txBody>
+        </p:sp>
+        <p:pic>
+          <p:nvPicPr>
+            <p:cNvPr id="43" name="Picture 42">
+              <a:extLst>
+                <a:ext uri="{FF2B5EF4-FFF2-40B4-BE49-F238E27FC236}">
+                  <a16:creationId xmlns:a16="http://schemas.microsoft.com/office/drawing/2014/main" id="{40225D29-7604-17BB-1CBE-5DD1DC9AD513}"/>
+                </a:ext>
+              </a:extLst>
+            </p:cNvPr>
+            <p:cNvPicPr>
+              <a:picLocks noChangeAspect="1"/>
+            </p:cNvPicPr>
+            <p:nvPr/>
+          </p:nvPicPr>
+          <p:blipFill>
+            <a:blip r:embed="rId2"/>
+            <a:stretch>
+              <a:fillRect/>
+            </a:stretch>
+          </p:blipFill>
+          <p:spPr>
+            <a:xfrm>
+              <a:off x="976223" y="742749"/>
+              <a:ext cx="1864949" cy="2275668"/>
+            </a:xfrm>
+            <a:prstGeom prst="rect">
+              <a:avLst/>
+            </a:prstGeom>
+          </p:spPr>
+        </p:pic>
+      </p:grpSp>
     </p:spTree>
     <p:extLst>
       <p:ext uri="{BB962C8B-B14F-4D97-AF65-F5344CB8AC3E}">

--- a/files/images/Content.pptx
+++ b/files/images/Content.pptx
@@ -261,7 +261,7 @@
           <a:p>
             <a:fld id="{DDDFD9E1-728A-3C4F-BA7D-0994F9A96443}" type="datetimeFigureOut">
               <a:rPr lang="en-US" smtClean="0"/>
-              <a:t>4/7/24</a:t>
+              <a:t>5/11/24</a:t>
             </a:fld>
             <a:endParaRPr lang="en-US"/>
           </a:p>
@@ -459,7 +459,7 @@
           <a:p>
             <a:fld id="{DDDFD9E1-728A-3C4F-BA7D-0994F9A96443}" type="datetimeFigureOut">
               <a:rPr lang="en-US" smtClean="0"/>
-              <a:t>4/7/24</a:t>
+              <a:t>5/11/24</a:t>
             </a:fld>
             <a:endParaRPr lang="en-US"/>
           </a:p>
@@ -667,7 +667,7 @@
           <a:p>
             <a:fld id="{DDDFD9E1-728A-3C4F-BA7D-0994F9A96443}" type="datetimeFigureOut">
               <a:rPr lang="en-US" smtClean="0"/>
-              <a:t>4/7/24</a:t>
+              <a:t>5/11/24</a:t>
             </a:fld>
             <a:endParaRPr lang="en-US"/>
           </a:p>
@@ -865,7 +865,7 @@
           <a:p>
             <a:fld id="{DDDFD9E1-728A-3C4F-BA7D-0994F9A96443}" type="datetimeFigureOut">
               <a:rPr lang="en-US" smtClean="0"/>
-              <a:t>4/7/24</a:t>
+              <a:t>5/11/24</a:t>
             </a:fld>
             <a:endParaRPr lang="en-US"/>
           </a:p>
@@ -1140,7 +1140,7 @@
           <a:p>
             <a:fld id="{DDDFD9E1-728A-3C4F-BA7D-0994F9A96443}" type="datetimeFigureOut">
               <a:rPr lang="en-US" smtClean="0"/>
-              <a:t>4/7/24</a:t>
+              <a:t>5/11/24</a:t>
             </a:fld>
             <a:endParaRPr lang="en-US"/>
           </a:p>
@@ -1405,7 +1405,7 @@
           <a:p>
             <a:fld id="{DDDFD9E1-728A-3C4F-BA7D-0994F9A96443}" type="datetimeFigureOut">
               <a:rPr lang="en-US" smtClean="0"/>
-              <a:t>4/7/24</a:t>
+              <a:t>5/11/24</a:t>
             </a:fld>
             <a:endParaRPr lang="en-US"/>
           </a:p>
@@ -1817,7 +1817,7 @@
           <a:p>
             <a:fld id="{DDDFD9E1-728A-3C4F-BA7D-0994F9A96443}" type="datetimeFigureOut">
               <a:rPr lang="en-US" smtClean="0"/>
-              <a:t>4/7/24</a:t>
+              <a:t>5/11/24</a:t>
             </a:fld>
             <a:endParaRPr lang="en-US"/>
           </a:p>
@@ -1958,7 +1958,7 @@
           <a:p>
             <a:fld id="{DDDFD9E1-728A-3C4F-BA7D-0994F9A96443}" type="datetimeFigureOut">
               <a:rPr lang="en-US" smtClean="0"/>
-              <a:t>4/7/24</a:t>
+              <a:t>5/11/24</a:t>
             </a:fld>
             <a:endParaRPr lang="en-US"/>
           </a:p>
@@ -2071,7 +2071,7 @@
           <a:p>
             <a:fld id="{DDDFD9E1-728A-3C4F-BA7D-0994F9A96443}" type="datetimeFigureOut">
               <a:rPr lang="en-US" smtClean="0"/>
-              <a:t>4/7/24</a:t>
+              <a:t>5/11/24</a:t>
             </a:fld>
             <a:endParaRPr lang="en-US"/>
           </a:p>
@@ -2382,7 +2382,7 @@
           <a:p>
             <a:fld id="{DDDFD9E1-728A-3C4F-BA7D-0994F9A96443}" type="datetimeFigureOut">
               <a:rPr lang="en-US" smtClean="0"/>
-              <a:t>4/7/24</a:t>
+              <a:t>5/11/24</a:t>
             </a:fld>
             <a:endParaRPr lang="en-US"/>
           </a:p>
@@ -2670,7 +2670,7 @@
           <a:p>
             <a:fld id="{DDDFD9E1-728A-3C4F-BA7D-0994F9A96443}" type="datetimeFigureOut">
               <a:rPr lang="en-US" smtClean="0"/>
-              <a:t>4/7/24</a:t>
+              <a:t>5/11/24</a:t>
             </a:fld>
             <a:endParaRPr lang="en-US"/>
           </a:p>
@@ -2911,7 +2911,7 @@
           <a:p>
             <a:fld id="{DDDFD9E1-728A-3C4F-BA7D-0994F9A96443}" type="datetimeFigureOut">
               <a:rPr lang="en-US" smtClean="0"/>
-              <a:t>4/7/24</a:t>
+              <a:t>5/11/24</a:t>
             </a:fld>
             <a:endParaRPr lang="en-US"/>
           </a:p>
@@ -6449,6 +6449,116 @@
           </p:spPr>
         </p:pic>
       </p:grpSp>
+      <p:grpSp>
+        <p:nvGrpSpPr>
+          <p:cNvPr id="7" name="Group 6">
+            <a:extLst>
+              <a:ext uri="{FF2B5EF4-FFF2-40B4-BE49-F238E27FC236}">
+                <a16:creationId xmlns:a16="http://schemas.microsoft.com/office/drawing/2014/main" id="{BC85CD5A-7991-954A-C599-952C01C63D10}"/>
+              </a:ext>
+            </a:extLst>
+          </p:cNvPr>
+          <p:cNvGrpSpPr/>
+          <p:nvPr/>
+        </p:nvGrpSpPr>
+        <p:grpSpPr>
+          <a:xfrm>
+            <a:off x="3497340" y="563689"/>
+            <a:ext cx="2598660" cy="2743200"/>
+            <a:chOff x="3497340" y="563689"/>
+            <a:chExt cx="2598660" cy="2743200"/>
+          </a:xfrm>
+        </p:grpSpPr>
+        <p:sp>
+          <p:nvSpPr>
+            <p:cNvPr id="3" name="Hexagon 2">
+              <a:extLst>
+                <a:ext uri="{FF2B5EF4-FFF2-40B4-BE49-F238E27FC236}">
+                  <a16:creationId xmlns:a16="http://schemas.microsoft.com/office/drawing/2014/main" id="{41DEFC14-43DE-A15B-655D-A8C7DCCC173D}"/>
+                </a:ext>
+              </a:extLst>
+            </p:cNvPr>
+            <p:cNvSpPr/>
+            <p:nvPr/>
+          </p:nvSpPr>
+          <p:spPr>
+            <a:xfrm rot="16200000">
+              <a:off x="3425070" y="635959"/>
+              <a:ext cx="2743200" cy="2598660"/>
+            </a:xfrm>
+            <a:prstGeom prst="hexagon">
+              <a:avLst/>
+            </a:prstGeom>
+            <a:solidFill>
+              <a:schemeClr val="accent5">
+                <a:lumMod val="20000"/>
+                <a:lumOff val="80000"/>
+              </a:schemeClr>
+            </a:solidFill>
+            <a:ln w="57150">
+              <a:solidFill>
+                <a:schemeClr val="accent1">
+                  <a:lumMod val="75000"/>
+                </a:schemeClr>
+              </a:solidFill>
+            </a:ln>
+          </p:spPr>
+          <p:style>
+            <a:lnRef idx="2">
+              <a:schemeClr val="accent1">
+                <a:shade val="15000"/>
+              </a:schemeClr>
+            </a:lnRef>
+            <a:fillRef idx="1">
+              <a:schemeClr val="accent1"/>
+            </a:fillRef>
+            <a:effectRef idx="0">
+              <a:schemeClr val="accent1"/>
+            </a:effectRef>
+            <a:fontRef idx="minor">
+              <a:schemeClr val="lt1"/>
+            </a:fontRef>
+          </p:style>
+          <p:txBody>
+            <a:bodyPr rtlCol="0" anchor="ctr"/>
+            <a:lstStyle/>
+            <a:p>
+              <a:pPr algn="ctr"/>
+              <a:endParaRPr lang="en-US" dirty="0"/>
+            </a:p>
+          </p:txBody>
+        </p:sp>
+        <p:pic>
+          <p:nvPicPr>
+            <p:cNvPr id="6" name="Picture 5">
+              <a:extLst>
+                <a:ext uri="{FF2B5EF4-FFF2-40B4-BE49-F238E27FC236}">
+                  <a16:creationId xmlns:a16="http://schemas.microsoft.com/office/drawing/2014/main" id="{778F9436-1361-9FA6-3FBC-E81776786C21}"/>
+                </a:ext>
+              </a:extLst>
+            </p:cNvPr>
+            <p:cNvPicPr>
+              <a:picLocks noChangeAspect="1"/>
+            </p:cNvPicPr>
+            <p:nvPr/>
+          </p:nvPicPr>
+          <p:blipFill>
+            <a:blip r:embed="rId3"/>
+            <a:stretch>
+              <a:fillRect/>
+            </a:stretch>
+          </p:blipFill>
+          <p:spPr>
+            <a:xfrm>
+              <a:off x="3986052" y="1602934"/>
+              <a:ext cx="1621236" cy="664707"/>
+            </a:xfrm>
+            <a:prstGeom prst="rect">
+              <a:avLst/>
+            </a:prstGeom>
+          </p:spPr>
+        </p:pic>
+      </p:grpSp>
     </p:spTree>
     <p:extLst>
       <p:ext uri="{BB962C8B-B14F-4D97-AF65-F5344CB8AC3E}">

--- a/files/images/Content.pptx
+++ b/files/images/Content.pptx
@@ -261,7 +261,7 @@
           <a:p>
             <a:fld id="{DDDFD9E1-728A-3C4F-BA7D-0994F9A96443}" type="datetimeFigureOut">
               <a:rPr lang="en-US" smtClean="0"/>
-              <a:t>5/11/24</a:t>
+              <a:t>1/3/25</a:t>
             </a:fld>
             <a:endParaRPr lang="en-US"/>
           </a:p>
@@ -459,7 +459,7 @@
           <a:p>
             <a:fld id="{DDDFD9E1-728A-3C4F-BA7D-0994F9A96443}" type="datetimeFigureOut">
               <a:rPr lang="en-US" smtClean="0"/>
-              <a:t>5/11/24</a:t>
+              <a:t>1/3/25</a:t>
             </a:fld>
             <a:endParaRPr lang="en-US"/>
           </a:p>
@@ -667,7 +667,7 @@
           <a:p>
             <a:fld id="{DDDFD9E1-728A-3C4F-BA7D-0994F9A96443}" type="datetimeFigureOut">
               <a:rPr lang="en-US" smtClean="0"/>
-              <a:t>5/11/24</a:t>
+              <a:t>1/3/25</a:t>
             </a:fld>
             <a:endParaRPr lang="en-US"/>
           </a:p>
@@ -865,7 +865,7 @@
           <a:p>
             <a:fld id="{DDDFD9E1-728A-3C4F-BA7D-0994F9A96443}" type="datetimeFigureOut">
               <a:rPr lang="en-US" smtClean="0"/>
-              <a:t>5/11/24</a:t>
+              <a:t>1/3/25</a:t>
             </a:fld>
             <a:endParaRPr lang="en-US"/>
           </a:p>
@@ -1140,7 +1140,7 @@
           <a:p>
             <a:fld id="{DDDFD9E1-728A-3C4F-BA7D-0994F9A96443}" type="datetimeFigureOut">
               <a:rPr lang="en-US" smtClean="0"/>
-              <a:t>5/11/24</a:t>
+              <a:t>1/3/25</a:t>
             </a:fld>
             <a:endParaRPr lang="en-US"/>
           </a:p>
@@ -1405,7 +1405,7 @@
           <a:p>
             <a:fld id="{DDDFD9E1-728A-3C4F-BA7D-0994F9A96443}" type="datetimeFigureOut">
               <a:rPr lang="en-US" smtClean="0"/>
-              <a:t>5/11/24</a:t>
+              <a:t>1/3/25</a:t>
             </a:fld>
             <a:endParaRPr lang="en-US"/>
           </a:p>
@@ -1817,7 +1817,7 @@
           <a:p>
             <a:fld id="{DDDFD9E1-728A-3C4F-BA7D-0994F9A96443}" type="datetimeFigureOut">
               <a:rPr lang="en-US" smtClean="0"/>
-              <a:t>5/11/24</a:t>
+              <a:t>1/3/25</a:t>
             </a:fld>
             <a:endParaRPr lang="en-US"/>
           </a:p>
@@ -1958,7 +1958,7 @@
           <a:p>
             <a:fld id="{DDDFD9E1-728A-3C4F-BA7D-0994F9A96443}" type="datetimeFigureOut">
               <a:rPr lang="en-US" smtClean="0"/>
-              <a:t>5/11/24</a:t>
+              <a:t>1/3/25</a:t>
             </a:fld>
             <a:endParaRPr lang="en-US"/>
           </a:p>
@@ -2071,7 +2071,7 @@
           <a:p>
             <a:fld id="{DDDFD9E1-728A-3C4F-BA7D-0994F9A96443}" type="datetimeFigureOut">
               <a:rPr lang="en-US" smtClean="0"/>
-              <a:t>5/11/24</a:t>
+              <a:t>1/3/25</a:t>
             </a:fld>
             <a:endParaRPr lang="en-US"/>
           </a:p>
@@ -2382,7 +2382,7 @@
           <a:p>
             <a:fld id="{DDDFD9E1-728A-3C4F-BA7D-0994F9A96443}" type="datetimeFigureOut">
               <a:rPr lang="en-US" smtClean="0"/>
-              <a:t>5/11/24</a:t>
+              <a:t>1/3/25</a:t>
             </a:fld>
             <a:endParaRPr lang="en-US"/>
           </a:p>
@@ -2670,7 +2670,7 @@
           <a:p>
             <a:fld id="{DDDFD9E1-728A-3C4F-BA7D-0994F9A96443}" type="datetimeFigureOut">
               <a:rPr lang="en-US" smtClean="0"/>
-              <a:t>5/11/24</a:t>
+              <a:t>1/3/25</a:t>
             </a:fld>
             <a:endParaRPr lang="en-US"/>
           </a:p>
@@ -2911,7 +2911,7 @@
           <a:p>
             <a:fld id="{DDDFD9E1-728A-3C4F-BA7D-0994F9A96443}" type="datetimeFigureOut">
               <a:rPr lang="en-US" smtClean="0"/>
-              <a:t>5/11/24</a:t>
+              <a:t>1/3/25</a:t>
             </a:fld>
             <a:endParaRPr lang="en-US"/>
           </a:p>
@@ -6559,6 +6559,187 @@
           </p:spPr>
         </p:pic>
       </p:grpSp>
+      <p:grpSp>
+        <p:nvGrpSpPr>
+          <p:cNvPr id="2" name="Group 1">
+            <a:extLst>
+              <a:ext uri="{FF2B5EF4-FFF2-40B4-BE49-F238E27FC236}">
+                <a16:creationId xmlns:a16="http://schemas.microsoft.com/office/drawing/2014/main" id="{02C48AD0-B888-1239-4BD5-06481EA22D26}"/>
+              </a:ext>
+            </a:extLst>
+          </p:cNvPr>
+          <p:cNvGrpSpPr/>
+          <p:nvPr/>
+        </p:nvGrpSpPr>
+        <p:grpSpPr>
+          <a:xfrm>
+            <a:off x="6391594" y="563687"/>
+            <a:ext cx="2598660" cy="2743200"/>
+            <a:chOff x="8027926" y="3306888"/>
+            <a:chExt cx="2598660" cy="2743200"/>
+          </a:xfrm>
+        </p:grpSpPr>
+        <p:grpSp>
+          <p:nvGrpSpPr>
+            <p:cNvPr id="4" name="Group 3">
+              <a:extLst>
+                <a:ext uri="{FF2B5EF4-FFF2-40B4-BE49-F238E27FC236}">
+                  <a16:creationId xmlns:a16="http://schemas.microsoft.com/office/drawing/2014/main" id="{319CF07F-EFD8-12CF-4199-292073E2C442}"/>
+                </a:ext>
+              </a:extLst>
+            </p:cNvPr>
+            <p:cNvGrpSpPr/>
+            <p:nvPr/>
+          </p:nvGrpSpPr>
+          <p:grpSpPr>
+            <a:xfrm>
+              <a:off x="8027926" y="3306888"/>
+              <a:ext cx="2598660" cy="2743200"/>
+              <a:chOff x="4502645" y="1986643"/>
+              <a:chExt cx="1143000" cy="1143000"/>
+            </a:xfrm>
+            <a:solidFill>
+              <a:schemeClr val="bg1"/>
+            </a:solidFill>
+          </p:grpSpPr>
+          <p:sp>
+            <p:nvSpPr>
+              <p:cNvPr id="8" name="Hexagon 7">
+                <a:extLst>
+                  <a:ext uri="{FF2B5EF4-FFF2-40B4-BE49-F238E27FC236}">
+                    <a16:creationId xmlns:a16="http://schemas.microsoft.com/office/drawing/2014/main" id="{33285911-0904-437E-C00E-93F23237D71A}"/>
+                  </a:ext>
+                </a:extLst>
+              </p:cNvPr>
+              <p:cNvSpPr/>
+              <p:nvPr/>
+            </p:nvSpPr>
+            <p:spPr>
+              <a:xfrm rot="16200000">
+                <a:off x="4502645" y="1986643"/>
+                <a:ext cx="1143000" cy="1143000"/>
+              </a:xfrm>
+              <a:prstGeom prst="hexagon">
+                <a:avLst/>
+              </a:prstGeom>
+              <a:solidFill>
+                <a:schemeClr val="bg1"/>
+              </a:solidFill>
+              <a:ln w="57150">
+                <a:solidFill>
+                  <a:srgbClr val="002060"/>
+                </a:solidFill>
+              </a:ln>
+            </p:spPr>
+            <p:style>
+              <a:lnRef idx="2">
+                <a:schemeClr val="accent1">
+                  <a:shade val="15000"/>
+                </a:schemeClr>
+              </a:lnRef>
+              <a:fillRef idx="1">
+                <a:schemeClr val="accent1"/>
+              </a:fillRef>
+              <a:effectRef idx="0">
+                <a:schemeClr val="accent1"/>
+              </a:effectRef>
+              <a:fontRef idx="minor">
+                <a:schemeClr val="lt1"/>
+              </a:fontRef>
+            </p:style>
+            <p:txBody>
+              <a:bodyPr rtlCol="0" anchor="ctr"/>
+              <a:lstStyle/>
+              <a:p>
+                <a:pPr algn="ctr"/>
+                <a:endParaRPr lang="en-US" dirty="0"/>
+              </a:p>
+            </p:txBody>
+          </p:sp>
+          <p:sp>
+            <p:nvSpPr>
+              <p:cNvPr id="9" name="TextBox 8">
+                <a:extLst>
+                  <a:ext uri="{FF2B5EF4-FFF2-40B4-BE49-F238E27FC236}">
+                    <a16:creationId xmlns:a16="http://schemas.microsoft.com/office/drawing/2014/main" id="{58EF2176-A967-800B-7099-0F297ABD4F00}"/>
+                  </a:ext>
+                </a:extLst>
+              </p:cNvPr>
+              <p:cNvSpPr txBox="1"/>
+              <p:nvPr/>
+            </p:nvSpPr>
+            <p:spPr>
+              <a:xfrm>
+                <a:off x="4553391" y="2189331"/>
+                <a:ext cx="1041508" cy="166713"/>
+              </a:xfrm>
+              <a:prstGeom prst="rect">
+                <a:avLst/>
+              </a:prstGeom>
+              <a:noFill/>
+              <a:ln>
+                <a:noFill/>
+              </a:ln>
+            </p:spPr>
+            <p:txBody>
+              <a:bodyPr wrap="square" rtlCol="0">
+                <a:spAutoFit/>
+              </a:bodyPr>
+              <a:lstStyle/>
+              <a:p>
+                <a:pPr algn="ctr"/>
+                <a:r>
+                  <a:rPr lang="en-US" sz="2000" b="1" dirty="0">
+                    <a:solidFill>
+                      <a:schemeClr val="accent4"/>
+                    </a:solidFill>
+                    <a:latin typeface="Myanmar Text" panose="020B0502040204020203" pitchFamily="34" charset="0"/>
+                    <a:cs typeface="Myanmar Text" panose="020B0502040204020203" pitchFamily="34" charset="0"/>
+                  </a:rPr>
+                  <a:t>Exam 5</a:t>
+                </a:r>
+                <a:endParaRPr lang="en-US" sz="1100" b="1" dirty="0">
+                  <a:solidFill>
+                    <a:schemeClr val="accent4"/>
+                  </a:solidFill>
+                  <a:latin typeface="Myanmar Text" panose="020B0502040204020203" pitchFamily="34" charset="0"/>
+                  <a:cs typeface="Myanmar Text" panose="020B0502040204020203" pitchFamily="34" charset="0"/>
+                </a:endParaRPr>
+              </a:p>
+            </p:txBody>
+          </p:sp>
+        </p:grpSp>
+        <p:pic>
+          <p:nvPicPr>
+            <p:cNvPr id="5" name="Picture 4">
+              <a:extLst>
+                <a:ext uri="{FF2B5EF4-FFF2-40B4-BE49-F238E27FC236}">
+                  <a16:creationId xmlns:a16="http://schemas.microsoft.com/office/drawing/2014/main" id="{0C4CBAC0-02B2-865C-F2DA-FB09341D4535}"/>
+                </a:ext>
+              </a:extLst>
+            </p:cNvPr>
+            <p:cNvPicPr>
+              <a:picLocks noChangeAspect="1"/>
+            </p:cNvPicPr>
+            <p:nvPr/>
+          </p:nvPicPr>
+          <p:blipFill>
+            <a:blip r:embed="rId4"/>
+            <a:stretch>
+              <a:fillRect/>
+            </a:stretch>
+          </p:blipFill>
+          <p:spPr>
+            <a:xfrm>
+              <a:off x="8627643" y="4250785"/>
+              <a:ext cx="1338716" cy="1338716"/>
+            </a:xfrm>
+            <a:prstGeom prst="rect">
+              <a:avLst/>
+            </a:prstGeom>
+          </p:spPr>
+        </p:pic>
+      </p:grpSp>
     </p:spTree>
     <p:extLst>
       <p:ext uri="{BB962C8B-B14F-4D97-AF65-F5344CB8AC3E}">
